--- a/badwork.pptx
+++ b/badwork.pptx
@@ -5,7 +5,7 @@
     <p:sldMasterId id="2147483672" r:id="rId1"/>
   </p:sldMasterIdLst>
   <p:notesMasterIdLst>
-    <p:notesMasterId r:id="rId19"/>
+    <p:notesMasterId r:id="rId15"/>
   </p:notesMasterIdLst>
   <p:sldIdLst>
     <p:sldId id="256" r:id="rId2"/>
@@ -17,14 +17,10 @@
     <p:sldId id="262" r:id="rId8"/>
     <p:sldId id="264" r:id="rId9"/>
     <p:sldId id="263" r:id="rId10"/>
-    <p:sldId id="266" r:id="rId11"/>
-    <p:sldId id="267" r:id="rId12"/>
-    <p:sldId id="265" r:id="rId13"/>
-    <p:sldId id="268" r:id="rId14"/>
-    <p:sldId id="269" r:id="rId15"/>
-    <p:sldId id="270" r:id="rId16"/>
-    <p:sldId id="271" r:id="rId17"/>
-    <p:sldId id="273" r:id="rId18"/>
+    <p:sldId id="267" r:id="rId11"/>
+    <p:sldId id="265" r:id="rId12"/>
+    <p:sldId id="271" r:id="rId13"/>
+    <p:sldId id="273" r:id="rId14"/>
   </p:sldIdLst>
   <p:sldSz cx="9144000" cy="6858000" type="screen4x3"/>
   <p:notesSz cx="6858000" cy="9144000"/>
@@ -209,7 +205,7 @@
             <a:fld id="{27E495D8-F3E8-4A7D-B148-1CBB51B58147}" type="datetimeFigureOut">
               <a:rPr lang="es-ES" smtClean="0"/>
               <a:pPr/>
-              <a:t>06/06/2016</a:t>
+              <a:t>07/06/2016</a:t>
             </a:fld>
             <a:endParaRPr lang="es-ES"/>
           </a:p>
@@ -621,11 +617,19 @@
           <a:p>
             <a:r>
               <a:rPr lang="es-ES" dirty="0" smtClean="0"/>
-              <a:t>Cuando</a:t>
+              <a:t>Cuando el administrador decida que una página</a:t>
             </a:r>
             <a:r>
               <a:rPr lang="es-ES" baseline="0" dirty="0" smtClean="0"/>
-              <a:t> un usuario intenta acceder a una página web bloqueada le salta la pantalla de bloqueo, es una pantalla dinámica que estimula continuar trabajando, dónde las frases de ánimo se van alternando.</a:t>
+              <a:t> bloqueada ya es apta para el uso común simplemente entrando en esa página y con la pantalla de </a:t>
+            </a:r>
+            <a:r>
+              <a:rPr lang="es-ES" baseline="0" dirty="0" err="1" smtClean="0"/>
+              <a:t>diálgo</a:t>
+            </a:r>
+            <a:r>
+              <a:rPr lang="es-ES" baseline="0" dirty="0" smtClean="0"/>
+              <a:t> presente pulso el botón de desbloqueo consiguiendo que se cargue de forma automática la página web que anteriormente se había bloqueado. // inciso.. Al final de la presentación se hará una demostración a tiempo real.</a:t>
             </a:r>
             <a:endParaRPr lang="es-ES" dirty="0"/>
           </a:p>
@@ -711,19 +715,11 @@
           <a:p>
             <a:r>
               <a:rPr lang="es-ES" dirty="0" smtClean="0"/>
-              <a:t>Cuando el administrador decida que una página</a:t>
+              <a:t>Las opciones que nos</a:t>
             </a:r>
             <a:r>
               <a:rPr lang="es-ES" baseline="0" dirty="0" smtClean="0"/>
-              <a:t> bloqueada ya es apta para el uso común simplemente entrando en esa página y con la pantalla de </a:t>
-            </a:r>
-            <a:r>
-              <a:rPr lang="es-ES" baseline="0" dirty="0" err="1" smtClean="0"/>
-              <a:t>diálgo</a:t>
-            </a:r>
-            <a:r>
-              <a:rPr lang="es-ES" baseline="0" dirty="0" smtClean="0"/>
-              <a:t> presente pulso el botón de desbloqueo consiguiendo que se cargue de forma automática la página web que anteriormente se había bloqueado. // inciso.. Al final de la presentación se hará una demostración a tiempo real.</a:t>
+              <a:t> dan los ajustes son varias: cambio de contraseña, listado de páginas y eliminación/ desbloqueo de las páginas bloqueadas</a:t>
             </a:r>
             <a:endParaRPr lang="es-ES" dirty="0"/>
           </a:p>
@@ -809,11 +805,67 @@
           <a:p>
             <a:r>
               <a:rPr lang="es-ES" dirty="0" smtClean="0"/>
-              <a:t>Las opciones que nos</a:t>
+              <a:t>Al</a:t>
             </a:r>
             <a:r>
               <a:rPr lang="es-ES" baseline="0" dirty="0" smtClean="0"/>
-              <a:t> dan los ajustes son varias: cambio de contraseña, listado de páginas y eliminación/ desbloqueo de las páginas bloqueadas</a:t>
+              <a:t> principio está aplicación la empecé a desarrollar en una tecnología XUL pero debido a que existían diversas dificultades para poder realizar el control de acceso decidí usar </a:t>
+            </a:r>
+            <a:r>
+              <a:rPr lang="es-ES" baseline="0" dirty="0" err="1" smtClean="0"/>
+              <a:t>Add-ons</a:t>
+            </a:r>
+            <a:r>
+              <a:rPr lang="es-ES" baseline="0" dirty="0" smtClean="0"/>
+              <a:t> SDK, que tiene como ventajas: poder crear una estructura inicial de proyecto de forma </a:t>
+            </a:r>
+            <a:r>
+              <a:rPr lang="es-ES" baseline="0" dirty="0" err="1" smtClean="0"/>
+              <a:t>automatica</a:t>
+            </a:r>
+            <a:r>
+              <a:rPr lang="es-ES" baseline="0" dirty="0" smtClean="0"/>
+              <a:t>, poder ejecutar la aplicación en un perfil temporal del navegador sin necesidad de instalar el </a:t>
+            </a:r>
+            <a:r>
+              <a:rPr lang="es-ES" baseline="0" dirty="0" err="1" smtClean="0"/>
+              <a:t>add-on</a:t>
+            </a:r>
+            <a:r>
+              <a:rPr lang="es-ES" baseline="0" dirty="0" smtClean="0"/>
+              <a:t>, compilar y firmar la aplicación desde la línea de comandos y </a:t>
+            </a:r>
+            <a:r>
+              <a:rPr lang="es-ES" baseline="0" dirty="0" err="1" smtClean="0"/>
+              <a:t>utizar</a:t>
+            </a:r>
+            <a:r>
+              <a:rPr lang="es-ES" baseline="0" dirty="0" smtClean="0"/>
+              <a:t> tanto </a:t>
+            </a:r>
+            <a:r>
+              <a:rPr lang="es-ES" baseline="0" dirty="0" err="1" smtClean="0"/>
+              <a:t>APIs</a:t>
+            </a:r>
+            <a:r>
+              <a:rPr lang="es-ES" baseline="0" dirty="0" smtClean="0"/>
+              <a:t> ya definidas en esta </a:t>
+            </a:r>
+            <a:r>
+              <a:rPr lang="es-ES" baseline="0" dirty="0" err="1" smtClean="0"/>
+              <a:t>tecnolgía</a:t>
+            </a:r>
+            <a:r>
+              <a:rPr lang="es-ES" baseline="0" dirty="0" smtClean="0"/>
+              <a:t> y </a:t>
+            </a:r>
+            <a:r>
+              <a:rPr lang="es-ES" baseline="0" dirty="0" err="1" smtClean="0"/>
+              <a:t>APIs</a:t>
+            </a:r>
+            <a:r>
+              <a:rPr lang="es-ES" baseline="0" dirty="0" smtClean="0"/>
+              <a:t> de terceros.</a:t>
             </a:r>
             <a:endParaRPr lang="es-ES" dirty="0"/>
           </a:p>
@@ -899,11 +951,23 @@
           <a:p>
             <a:r>
               <a:rPr lang="es-ES" dirty="0" smtClean="0"/>
-              <a:t>Es sencillo como casi siempre en todos</a:t>
+              <a:t>Por todo lo anterior creo que </a:t>
+            </a:r>
+            <a:r>
+              <a:rPr lang="es-ES" dirty="0" err="1" smtClean="0"/>
+              <a:t>BadWork</a:t>
+            </a:r>
+            <a:r>
+              <a:rPr lang="es-ES" dirty="0" smtClean="0"/>
+              <a:t> es una aplicación</a:t>
             </a:r>
             <a:r>
               <a:rPr lang="es-ES" baseline="0" dirty="0" smtClean="0"/>
-              <a:t> los ámbitos de contraseña, introducimos una nueva y se cambia por la vieja</a:t>
+              <a:t> muy útil, fácil de usar por el administrador e impactante para el usuario puesto que es la página de bloqueo es dinámica y novedosas. A continuación hacemos una demo </a:t>
+            </a:r>
+            <a:r>
+              <a:rPr lang="es-ES" baseline="0" smtClean="0"/>
+              <a:t>a tiempo real.</a:t>
             </a:r>
             <a:endParaRPr lang="es-ES" dirty="0"/>
           </a:p>
@@ -928,446 +992,6 @@
               <a:rPr lang="es-ES" smtClean="0"/>
               <a:pPr/>
               <a:t>13</a:t>
-            </a:fld>
-            <a:endParaRPr lang="es-ES"/>
-          </a:p>
-        </p:txBody>
-      </p:sp>
-    </p:spTree>
-  </p:cSld>
-  <p:clrMapOvr>
-    <a:masterClrMapping/>
-  </p:clrMapOvr>
-</p:notes>
-</file>
-
-<file path=ppt/notesSlides/notesSlide14.xml><?xml version="1.0" encoding="utf-8"?>
-<p:notes xmlns:a="http://schemas.openxmlformats.org/drawingml/2006/main" xmlns:r="http://schemas.openxmlformats.org/officeDocument/2006/relationships" xmlns:p="http://schemas.openxmlformats.org/presentationml/2006/main">
-  <p:cSld>
-    <p:spTree>
-      <p:nvGrpSpPr>
-        <p:cNvPr id="1" name=""/>
-        <p:cNvGrpSpPr/>
-        <p:nvPr/>
-      </p:nvGrpSpPr>
-      <p:grpSpPr>
-        <a:xfrm>
-          <a:off x="0" y="0"/>
-          <a:ext cx="0" cy="0"/>
-          <a:chOff x="0" y="0"/>
-          <a:chExt cx="0" cy="0"/>
-        </a:xfrm>
-      </p:grpSpPr>
-      <p:sp>
-        <p:nvSpPr>
-          <p:cNvPr id="2" name="1 Marcador de imagen de diapositiva"/>
-          <p:cNvSpPr>
-            <a:spLocks noGrp="1" noRot="1" noChangeAspect="1"/>
-          </p:cNvSpPr>
-          <p:nvPr>
-            <p:ph type="sldImg"/>
-          </p:nvPr>
-        </p:nvSpPr>
-        <p:spPr/>
-      </p:sp>
-      <p:sp>
-        <p:nvSpPr>
-          <p:cNvPr id="3" name="2 Marcador de notas"/>
-          <p:cNvSpPr>
-            <a:spLocks noGrp="1"/>
-          </p:cNvSpPr>
-          <p:nvPr>
-            <p:ph type="body" idx="1"/>
-          </p:nvPr>
-        </p:nvSpPr>
-        <p:spPr/>
-        <p:txBody>
-          <a:bodyPr>
-            <a:normAutofit/>
-          </a:bodyPr>
-          <a:lstStyle/>
-          <a:p>
-            <a:r>
-              <a:rPr lang="es-ES" dirty="0" smtClean="0"/>
-              <a:t>Este</a:t>
-            </a:r>
-            <a:r>
-              <a:rPr lang="es-ES" baseline="0" dirty="0" smtClean="0"/>
-              <a:t> listado sirve para que el administrador de forma rápida pueda ver todas las páginas bloqueadas. Esta lista se va actualizando al añadir más bloqueos.</a:t>
-            </a:r>
-            <a:endParaRPr lang="es-ES" dirty="0"/>
-          </a:p>
-        </p:txBody>
-      </p:sp>
-      <p:sp>
-        <p:nvSpPr>
-          <p:cNvPr id="4" name="3 Marcador de número de diapositiva"/>
-          <p:cNvSpPr>
-            <a:spLocks noGrp="1"/>
-          </p:cNvSpPr>
-          <p:nvPr>
-            <p:ph type="sldNum" sz="quarter" idx="10"/>
-          </p:nvPr>
-        </p:nvSpPr>
-        <p:spPr/>
-        <p:txBody>
-          <a:bodyPr/>
-          <a:lstStyle/>
-          <a:p>
-            <a:fld id="{DD91FEB4-086F-432B-AB8A-4BD00850B010}" type="slidenum">
-              <a:rPr lang="es-ES" smtClean="0"/>
-              <a:pPr/>
-              <a:t>14</a:t>
-            </a:fld>
-            <a:endParaRPr lang="es-ES"/>
-          </a:p>
-        </p:txBody>
-      </p:sp>
-    </p:spTree>
-  </p:cSld>
-  <p:clrMapOvr>
-    <a:masterClrMapping/>
-  </p:clrMapOvr>
-</p:notes>
-</file>
-
-<file path=ppt/notesSlides/notesSlide15.xml><?xml version="1.0" encoding="utf-8"?>
-<p:notes xmlns:a="http://schemas.openxmlformats.org/drawingml/2006/main" xmlns:r="http://schemas.openxmlformats.org/officeDocument/2006/relationships" xmlns:p="http://schemas.openxmlformats.org/presentationml/2006/main">
-  <p:cSld>
-    <p:spTree>
-      <p:nvGrpSpPr>
-        <p:cNvPr id="1" name=""/>
-        <p:cNvGrpSpPr/>
-        <p:nvPr/>
-      </p:nvGrpSpPr>
-      <p:grpSpPr>
-        <a:xfrm>
-          <a:off x="0" y="0"/>
-          <a:ext cx="0" cy="0"/>
-          <a:chOff x="0" y="0"/>
-          <a:chExt cx="0" cy="0"/>
-        </a:xfrm>
-      </p:grpSpPr>
-      <p:sp>
-        <p:nvSpPr>
-          <p:cNvPr id="2" name="1 Marcador de imagen de diapositiva"/>
-          <p:cNvSpPr>
-            <a:spLocks noGrp="1" noRot="1" noChangeAspect="1"/>
-          </p:cNvSpPr>
-          <p:nvPr>
-            <p:ph type="sldImg"/>
-          </p:nvPr>
-        </p:nvSpPr>
-        <p:spPr/>
-      </p:sp>
-      <p:sp>
-        <p:nvSpPr>
-          <p:cNvPr id="3" name="2 Marcador de notas"/>
-          <p:cNvSpPr>
-            <a:spLocks noGrp="1"/>
-          </p:cNvSpPr>
-          <p:nvPr>
-            <p:ph type="body" idx="1"/>
-          </p:nvPr>
-        </p:nvSpPr>
-        <p:spPr/>
-        <p:txBody>
-          <a:bodyPr>
-            <a:normAutofit/>
-          </a:bodyPr>
-          <a:lstStyle/>
-          <a:p>
-            <a:r>
-              <a:rPr lang="es-ES" dirty="0" smtClean="0"/>
-              <a:t>Si</a:t>
-            </a:r>
-            <a:r>
-              <a:rPr lang="es-ES" baseline="0" dirty="0" smtClean="0"/>
-              <a:t> al revisar el listado el administrador decide que alguna página no debe de estar bloqueada, simplemente se pulsa el icono de la basura correspondiente, </a:t>
-            </a:r>
-            <a:r>
-              <a:rPr lang="es-ES" baseline="0" dirty="0" err="1" smtClean="0"/>
-              <a:t>actualizandose</a:t>
-            </a:r>
-            <a:r>
-              <a:rPr lang="es-ES" baseline="0" dirty="0" smtClean="0"/>
-              <a:t> la lista negra y las pestañas.</a:t>
-            </a:r>
-            <a:endParaRPr lang="es-ES" dirty="0"/>
-          </a:p>
-        </p:txBody>
-      </p:sp>
-      <p:sp>
-        <p:nvSpPr>
-          <p:cNvPr id="4" name="3 Marcador de número de diapositiva"/>
-          <p:cNvSpPr>
-            <a:spLocks noGrp="1"/>
-          </p:cNvSpPr>
-          <p:nvPr>
-            <p:ph type="sldNum" sz="quarter" idx="10"/>
-          </p:nvPr>
-        </p:nvSpPr>
-        <p:spPr/>
-        <p:txBody>
-          <a:bodyPr/>
-          <a:lstStyle/>
-          <a:p>
-            <a:fld id="{DD91FEB4-086F-432B-AB8A-4BD00850B010}" type="slidenum">
-              <a:rPr lang="es-ES" smtClean="0"/>
-              <a:pPr/>
-              <a:t>15</a:t>
-            </a:fld>
-            <a:endParaRPr lang="es-ES"/>
-          </a:p>
-        </p:txBody>
-      </p:sp>
-    </p:spTree>
-  </p:cSld>
-  <p:clrMapOvr>
-    <a:masterClrMapping/>
-  </p:clrMapOvr>
-</p:notes>
-</file>
-
-<file path=ppt/notesSlides/notesSlide16.xml><?xml version="1.0" encoding="utf-8"?>
-<p:notes xmlns:a="http://schemas.openxmlformats.org/drawingml/2006/main" xmlns:r="http://schemas.openxmlformats.org/officeDocument/2006/relationships" xmlns:p="http://schemas.openxmlformats.org/presentationml/2006/main">
-  <p:cSld>
-    <p:spTree>
-      <p:nvGrpSpPr>
-        <p:cNvPr id="1" name=""/>
-        <p:cNvGrpSpPr/>
-        <p:nvPr/>
-      </p:nvGrpSpPr>
-      <p:grpSpPr>
-        <a:xfrm>
-          <a:off x="0" y="0"/>
-          <a:ext cx="0" cy="0"/>
-          <a:chOff x="0" y="0"/>
-          <a:chExt cx="0" cy="0"/>
-        </a:xfrm>
-      </p:grpSpPr>
-      <p:sp>
-        <p:nvSpPr>
-          <p:cNvPr id="2" name="1 Marcador de imagen de diapositiva"/>
-          <p:cNvSpPr>
-            <a:spLocks noGrp="1" noRot="1" noChangeAspect="1"/>
-          </p:cNvSpPr>
-          <p:nvPr>
-            <p:ph type="sldImg"/>
-          </p:nvPr>
-        </p:nvSpPr>
-        <p:spPr/>
-      </p:sp>
-      <p:sp>
-        <p:nvSpPr>
-          <p:cNvPr id="3" name="2 Marcador de notas"/>
-          <p:cNvSpPr>
-            <a:spLocks noGrp="1"/>
-          </p:cNvSpPr>
-          <p:nvPr>
-            <p:ph type="body" idx="1"/>
-          </p:nvPr>
-        </p:nvSpPr>
-        <p:spPr/>
-        <p:txBody>
-          <a:bodyPr>
-            <a:normAutofit/>
-          </a:bodyPr>
-          <a:lstStyle/>
-          <a:p>
-            <a:r>
-              <a:rPr lang="es-ES" dirty="0" smtClean="0"/>
-              <a:t>Al</a:t>
-            </a:r>
-            <a:r>
-              <a:rPr lang="es-ES" baseline="0" dirty="0" smtClean="0"/>
-              <a:t> principio está aplicación la empecé a desarrollar en una tecnología XUL pero debido a que existían diversas dificultades para poder realizar el control de acceso decidí usar </a:t>
-            </a:r>
-            <a:r>
-              <a:rPr lang="es-ES" baseline="0" dirty="0" err="1" smtClean="0"/>
-              <a:t>Add-ons</a:t>
-            </a:r>
-            <a:r>
-              <a:rPr lang="es-ES" baseline="0" dirty="0" smtClean="0"/>
-              <a:t> SDK, </a:t>
-            </a:r>
-            <a:r>
-              <a:rPr lang="es-ES" baseline="0" dirty="0" smtClean="0"/>
-              <a:t>que tiene como ventajas: poder crear una estructura inicial de proyecto de forma </a:t>
-            </a:r>
-            <a:r>
-              <a:rPr lang="es-ES" baseline="0" dirty="0" err="1" smtClean="0"/>
-              <a:t>automatica</a:t>
-            </a:r>
-            <a:r>
-              <a:rPr lang="es-ES" baseline="0" dirty="0" smtClean="0"/>
-              <a:t>, poder ejecutar la aplicación en un perfil temporal del navegador sin necesidad de instalar el </a:t>
-            </a:r>
-            <a:r>
-              <a:rPr lang="es-ES" baseline="0" dirty="0" err="1" smtClean="0"/>
-              <a:t>add-on</a:t>
-            </a:r>
-            <a:r>
-              <a:rPr lang="es-ES" baseline="0" dirty="0" smtClean="0"/>
-              <a:t>, compilar y firmar la aplicación desde la línea de comandos y </a:t>
-            </a:r>
-            <a:r>
-              <a:rPr lang="es-ES" baseline="0" dirty="0" err="1" smtClean="0"/>
-              <a:t>utizar</a:t>
-            </a:r>
-            <a:r>
-              <a:rPr lang="es-ES" baseline="0" dirty="0" smtClean="0"/>
-              <a:t> tanto </a:t>
-            </a:r>
-            <a:r>
-              <a:rPr lang="es-ES" baseline="0" dirty="0" err="1" smtClean="0"/>
-              <a:t>APIs</a:t>
-            </a:r>
-            <a:r>
-              <a:rPr lang="es-ES" baseline="0" dirty="0" smtClean="0"/>
-              <a:t> ya definidas en esta </a:t>
-            </a:r>
-            <a:r>
-              <a:rPr lang="es-ES" baseline="0" dirty="0" err="1" smtClean="0"/>
-              <a:t>tecnolgía</a:t>
-            </a:r>
-            <a:r>
-              <a:rPr lang="es-ES" baseline="0" dirty="0" smtClean="0"/>
-              <a:t> y </a:t>
-            </a:r>
-            <a:r>
-              <a:rPr lang="es-ES" baseline="0" dirty="0" err="1" smtClean="0"/>
-              <a:t>APIs</a:t>
-            </a:r>
-            <a:r>
-              <a:rPr lang="es-ES" baseline="0" dirty="0" smtClean="0"/>
-              <a:t> de terceros.</a:t>
-            </a:r>
-            <a:endParaRPr lang="es-ES" dirty="0"/>
-          </a:p>
-        </p:txBody>
-      </p:sp>
-      <p:sp>
-        <p:nvSpPr>
-          <p:cNvPr id="4" name="3 Marcador de número de diapositiva"/>
-          <p:cNvSpPr>
-            <a:spLocks noGrp="1"/>
-          </p:cNvSpPr>
-          <p:nvPr>
-            <p:ph type="sldNum" sz="quarter" idx="10"/>
-          </p:nvPr>
-        </p:nvSpPr>
-        <p:spPr/>
-        <p:txBody>
-          <a:bodyPr/>
-          <a:lstStyle/>
-          <a:p>
-            <a:fld id="{DD91FEB4-086F-432B-AB8A-4BD00850B010}" type="slidenum">
-              <a:rPr lang="es-ES" smtClean="0"/>
-              <a:pPr/>
-              <a:t>16</a:t>
-            </a:fld>
-            <a:endParaRPr lang="es-ES"/>
-          </a:p>
-        </p:txBody>
-      </p:sp>
-    </p:spTree>
-  </p:cSld>
-  <p:clrMapOvr>
-    <a:masterClrMapping/>
-  </p:clrMapOvr>
-</p:notes>
-</file>
-
-<file path=ppt/notesSlides/notesSlide17.xml><?xml version="1.0" encoding="utf-8"?>
-<p:notes xmlns:a="http://schemas.openxmlformats.org/drawingml/2006/main" xmlns:r="http://schemas.openxmlformats.org/officeDocument/2006/relationships" xmlns:p="http://schemas.openxmlformats.org/presentationml/2006/main">
-  <p:cSld>
-    <p:spTree>
-      <p:nvGrpSpPr>
-        <p:cNvPr id="1" name=""/>
-        <p:cNvGrpSpPr/>
-        <p:nvPr/>
-      </p:nvGrpSpPr>
-      <p:grpSpPr>
-        <a:xfrm>
-          <a:off x="0" y="0"/>
-          <a:ext cx="0" cy="0"/>
-          <a:chOff x="0" y="0"/>
-          <a:chExt cx="0" cy="0"/>
-        </a:xfrm>
-      </p:grpSpPr>
-      <p:sp>
-        <p:nvSpPr>
-          <p:cNvPr id="2" name="1 Marcador de imagen de diapositiva"/>
-          <p:cNvSpPr>
-            <a:spLocks noGrp="1" noRot="1" noChangeAspect="1"/>
-          </p:cNvSpPr>
-          <p:nvPr>
-            <p:ph type="sldImg"/>
-          </p:nvPr>
-        </p:nvSpPr>
-        <p:spPr/>
-      </p:sp>
-      <p:sp>
-        <p:nvSpPr>
-          <p:cNvPr id="3" name="2 Marcador de notas"/>
-          <p:cNvSpPr>
-            <a:spLocks noGrp="1"/>
-          </p:cNvSpPr>
-          <p:nvPr>
-            <p:ph type="body" idx="1"/>
-          </p:nvPr>
-        </p:nvSpPr>
-        <p:spPr/>
-        <p:txBody>
-          <a:bodyPr>
-            <a:normAutofit/>
-          </a:bodyPr>
-          <a:lstStyle/>
-          <a:p>
-            <a:r>
-              <a:rPr lang="es-ES" dirty="0" smtClean="0"/>
-              <a:t>Por todo lo anterior creo que </a:t>
-            </a:r>
-            <a:r>
-              <a:rPr lang="es-ES" dirty="0" err="1" smtClean="0"/>
-              <a:t>BadWork</a:t>
-            </a:r>
-            <a:r>
-              <a:rPr lang="es-ES" dirty="0" smtClean="0"/>
-              <a:t> es una aplicación</a:t>
-            </a:r>
-            <a:r>
-              <a:rPr lang="es-ES" baseline="0" dirty="0" smtClean="0"/>
-              <a:t> muy útil, fácil de usar por el administrador e impactante para el usuario puesto que es la página de bloqueo es dinámica y novedosas. A continuación hacemos una demo </a:t>
-            </a:r>
-            <a:r>
-              <a:rPr lang="es-ES" baseline="0" smtClean="0"/>
-              <a:t>a tiempo real.</a:t>
-            </a:r>
-            <a:endParaRPr lang="es-ES" dirty="0"/>
-          </a:p>
-        </p:txBody>
-      </p:sp>
-      <p:sp>
-        <p:nvSpPr>
-          <p:cNvPr id="4" name="3 Marcador de número de diapositiva"/>
-          <p:cNvSpPr>
-            <a:spLocks noGrp="1"/>
-          </p:cNvSpPr>
-          <p:nvPr>
-            <p:ph type="sldNum" sz="quarter" idx="10"/>
-          </p:nvPr>
-        </p:nvSpPr>
-        <p:spPr/>
-        <p:txBody>
-          <a:bodyPr/>
-          <a:lstStyle/>
-          <a:p>
-            <a:fld id="{DD91FEB4-086F-432B-AB8A-4BD00850B010}" type="slidenum">
-              <a:rPr lang="es-ES" smtClean="0"/>
-              <a:pPr/>
-              <a:t>17</a:t>
             </a:fld>
             <a:endParaRPr lang="es-ES"/>
           </a:p>
@@ -2287,7 +1911,7 @@
             <a:fld id="{48F05806-37A3-4EDF-A9C0-C9169DA3DBA2}" type="datetimeFigureOut">
               <a:rPr lang="es-ES" smtClean="0"/>
               <a:pPr/>
-              <a:t>06/06/2016</a:t>
+              <a:t>07/06/2016</a:t>
             </a:fld>
             <a:endParaRPr lang="es-ES"/>
           </a:p>
@@ -3158,7 +2782,7 @@
             <a:fld id="{48F05806-37A3-4EDF-A9C0-C9169DA3DBA2}" type="datetimeFigureOut">
               <a:rPr lang="es-ES" smtClean="0"/>
               <a:pPr/>
-              <a:t>06/06/2016</a:t>
+              <a:t>07/06/2016</a:t>
             </a:fld>
             <a:endParaRPr lang="es-ES"/>
           </a:p>
@@ -3335,7 +2959,7 @@
             <a:fld id="{48F05806-37A3-4EDF-A9C0-C9169DA3DBA2}" type="datetimeFigureOut">
               <a:rPr lang="es-ES" smtClean="0"/>
               <a:pPr/>
-              <a:t>06/06/2016</a:t>
+              <a:t>07/06/2016</a:t>
             </a:fld>
             <a:endParaRPr lang="es-ES"/>
           </a:p>
@@ -3507,7 +3131,7 @@
             <a:fld id="{48F05806-37A3-4EDF-A9C0-C9169DA3DBA2}" type="datetimeFigureOut">
               <a:rPr lang="es-ES" smtClean="0"/>
               <a:pPr/>
-              <a:t>06/06/2016</a:t>
+              <a:t>07/06/2016</a:t>
             </a:fld>
             <a:endParaRPr lang="es-ES"/>
           </a:p>
@@ -3719,7 +3343,7 @@
             <a:fld id="{48F05806-37A3-4EDF-A9C0-C9169DA3DBA2}" type="datetimeFigureOut">
               <a:rPr lang="es-ES" smtClean="0"/>
               <a:pPr/>
-              <a:t>06/06/2016</a:t>
+              <a:t>07/06/2016</a:t>
             </a:fld>
             <a:endParaRPr lang="es-ES"/>
           </a:p>
@@ -4535,7 +4159,7 @@
             <a:fld id="{48F05806-37A3-4EDF-A9C0-C9169DA3DBA2}" type="datetimeFigureOut">
               <a:rPr lang="es-ES" smtClean="0"/>
               <a:pPr/>
-              <a:t>06/06/2016</a:t>
+              <a:t>07/06/2016</a:t>
             </a:fld>
             <a:endParaRPr lang="es-ES"/>
           </a:p>
@@ -4773,7 +4397,7 @@
             <a:fld id="{48F05806-37A3-4EDF-A9C0-C9169DA3DBA2}" type="datetimeFigureOut">
               <a:rPr lang="es-ES" smtClean="0"/>
               <a:pPr/>
-              <a:t>06/06/2016</a:t>
+              <a:t>07/06/2016</a:t>
             </a:fld>
             <a:endParaRPr lang="es-ES"/>
           </a:p>
@@ -5098,7 +4722,7 @@
             <a:fld id="{48F05806-37A3-4EDF-A9C0-C9169DA3DBA2}" type="datetimeFigureOut">
               <a:rPr lang="es-ES" smtClean="0"/>
               <a:pPr/>
-              <a:t>06/06/2016</a:t>
+              <a:t>07/06/2016</a:t>
             </a:fld>
             <a:endParaRPr lang="es-ES"/>
           </a:p>
@@ -5190,7 +4814,7 @@
             <a:fld id="{48F05806-37A3-4EDF-A9C0-C9169DA3DBA2}" type="datetimeFigureOut">
               <a:rPr lang="es-ES" smtClean="0"/>
               <a:pPr/>
-              <a:t>06/06/2016</a:t>
+              <a:t>07/06/2016</a:t>
             </a:fld>
             <a:endParaRPr lang="es-ES"/>
           </a:p>
@@ -5709,7 +5333,7 @@
             <a:fld id="{48F05806-37A3-4EDF-A9C0-C9169DA3DBA2}" type="datetimeFigureOut">
               <a:rPr lang="es-ES" smtClean="0"/>
               <a:pPr/>
-              <a:t>06/06/2016</a:t>
+              <a:t>07/06/2016</a:t>
             </a:fld>
             <a:endParaRPr lang="es-ES"/>
           </a:p>
@@ -6222,7 +5846,7 @@
             <a:fld id="{48F05806-37A3-4EDF-A9C0-C9169DA3DBA2}" type="datetimeFigureOut">
               <a:rPr lang="es-ES" smtClean="0"/>
               <a:pPr/>
-              <a:t>06/06/2016</a:t>
+              <a:t>07/06/2016</a:t>
             </a:fld>
             <a:endParaRPr lang="es-ES"/>
           </a:p>
@@ -6469,7 +6093,7 @@
             <a:fld id="{48F05806-37A3-4EDF-A9C0-C9169DA3DBA2}" type="datetimeFigureOut">
               <a:rPr lang="es-ES" smtClean="0"/>
               <a:pPr/>
-              <a:t>06/06/2016</a:t>
+              <a:t>07/06/2016</a:t>
             </a:fld>
             <a:endParaRPr lang="es-ES"/>
           </a:p>
@@ -7091,7 +6715,7 @@
         </p:blipFill>
         <p:spPr>
           <a:xfrm>
-            <a:off x="2843808" y="2636912"/>
+            <a:off x="2915816" y="3068960"/>
             <a:ext cx="1584176" cy="1584176"/>
           </a:xfrm>
           <a:prstGeom prst="rect">
@@ -7167,7 +6791,7 @@
         </p:nvSpPr>
         <p:spPr>
           <a:xfrm>
-            <a:off x="0" y="764704"/>
+            <a:off x="0" y="332656"/>
             <a:ext cx="9144000" cy="1200329"/>
           </a:xfrm>
           <a:prstGeom prst="rect">
@@ -7219,7 +6843,7 @@
         </p:blipFill>
         <p:spPr bwMode="auto">
           <a:xfrm>
-            <a:off x="4932040" y="2636912"/>
+            <a:off x="5076056" y="2996952"/>
             <a:ext cx="1646312" cy="1646312"/>
           </a:xfrm>
           <a:prstGeom prst="rect">
@@ -7228,6 +6852,80 @@
           <a:noFill/>
         </p:spPr>
       </p:pic>
+      <p:sp>
+        <p:nvSpPr>
+          <p:cNvPr id="9" name="1 Título"/>
+          <p:cNvSpPr txBox="1">
+            <a:spLocks/>
+          </p:cNvSpPr>
+          <p:nvPr/>
+        </p:nvSpPr>
+        <p:spPr>
+          <a:xfrm>
+            <a:off x="1115616" y="1556792"/>
+            <a:ext cx="7467600" cy="864096"/>
+          </a:xfrm>
+          <a:prstGeom prst="rect">
+            <a:avLst/>
+          </a:prstGeom>
+        </p:spPr>
+        <p:txBody>
+          <a:bodyPr vert="horz" anchor="b">
+            <a:noAutofit/>
+          </a:bodyPr>
+          <a:lstStyle/>
+          <a:p>
+            <a:pPr marL="0" marR="0" lvl="0" indent="0" algn="ctr" defTabSz="914400" rtl="0" eaLnBrk="1" fontAlgn="auto" latinLnBrk="0" hangingPunct="1">
+              <a:lnSpc>
+                <a:spcPct val="100000"/>
+              </a:lnSpc>
+              <a:spcBef>
+                <a:spcPct val="0"/>
+              </a:spcBef>
+              <a:spcAft>
+                <a:spcPts val="0"/>
+              </a:spcAft>
+              <a:buClrTx/>
+              <a:buSzTx/>
+              <a:buFontTx/>
+              <a:buNone/>
+              <a:tabLst/>
+              <a:defRPr/>
+            </a:pPr>
+            <a:r>
+              <a:rPr kumimoji="0" lang="es-ES" sz="6000" b="1" i="0" u="none" strike="noStrike" kern="1200" cap="small" spc="0" normalizeH="0" baseline="0" noProof="0" dirty="0" smtClean="0">
+                <a:ln>
+                  <a:noFill/>
+                </a:ln>
+                <a:solidFill>
+                  <a:srgbClr val="C00000"/>
+                </a:solidFill>
+                <a:effectLst/>
+                <a:uLnTx/>
+                <a:uFillTx/>
+                <a:latin typeface="Adobe Gothic Std B" pitchFamily="34" charset="-128"/>
+                <a:ea typeface="Adobe Gothic Std B" pitchFamily="34" charset="-128"/>
+                <a:cs typeface="+mj-cs"/>
+              </a:rPr>
+              <a:t>Control de acceso</a:t>
+            </a:r>
+            <a:endParaRPr kumimoji="0" lang="es-ES" sz="6000" b="1" i="0" u="none" strike="noStrike" kern="1200" cap="small" spc="0" normalizeH="0" baseline="0" noProof="0" dirty="0">
+              <a:ln>
+                <a:noFill/>
+              </a:ln>
+              <a:solidFill>
+                <a:srgbClr val="C00000"/>
+              </a:solidFill>
+              <a:effectLst/>
+              <a:uLnTx/>
+              <a:uFillTx/>
+              <a:latin typeface="Adobe Gothic Std B" pitchFamily="34" charset="-128"/>
+              <a:ea typeface="Adobe Gothic Std B" pitchFamily="34" charset="-128"/>
+              <a:cs typeface="+mj-cs"/>
+            </a:endParaRPr>
+          </a:p>
+        </p:txBody>
+      </p:sp>
     </p:spTree>
   </p:cSld>
   <p:clrMapOvr>
@@ -7245,216 +6943,6 @@
 </file>
 
 <file path=ppt/slides/slide10.xml><?xml version="1.0" encoding="utf-8"?>
-<p:sld xmlns:a="http://schemas.openxmlformats.org/drawingml/2006/main" xmlns:r="http://schemas.openxmlformats.org/officeDocument/2006/relationships" xmlns:p="http://schemas.openxmlformats.org/presentationml/2006/main">
-  <p:cSld>
-    <p:spTree>
-      <p:nvGrpSpPr>
-        <p:cNvPr id="1" name=""/>
-        <p:cNvGrpSpPr/>
-        <p:nvPr/>
-      </p:nvGrpSpPr>
-      <p:grpSpPr>
-        <a:xfrm>
-          <a:off x="0" y="0"/>
-          <a:ext cx="0" cy="0"/>
-          <a:chOff x="0" y="0"/>
-          <a:chExt cx="0" cy="0"/>
-        </a:xfrm>
-      </p:grpSpPr>
-      <p:pic>
-        <p:nvPicPr>
-          <p:cNvPr id="5" name="4 Marcador de contenido" descr="Screenshot_11.png"/>
-          <p:cNvPicPr>
-            <a:picLocks noGrp="1" noChangeAspect="1"/>
-          </p:cNvPicPr>
-          <p:nvPr>
-            <p:ph sz="quarter" idx="1"/>
-          </p:nvPr>
-        </p:nvPicPr>
-        <p:blipFill>
-          <a:blip r:embed="rId3" cstate="print"/>
-          <a:stretch>
-            <a:fillRect/>
-          </a:stretch>
-        </p:blipFill>
-        <p:spPr>
-          <a:xfrm>
-            <a:off x="1259632" y="2564904"/>
-            <a:ext cx="6480720" cy="3497724"/>
-          </a:xfrm>
-          <a:prstGeom prst="rect">
-            <a:avLst/>
-          </a:prstGeom>
-          <a:ln>
-            <a:noFill/>
-          </a:ln>
-          <a:effectLst>
-            <a:outerShdw blurRad="190500" algn="tl" rotWithShape="0">
-              <a:srgbClr val="000000">
-                <a:alpha val="70000"/>
-              </a:srgbClr>
-            </a:outerShdw>
-          </a:effectLst>
-        </p:spPr>
-      </p:pic>
-      <p:sp>
-        <p:nvSpPr>
-          <p:cNvPr id="4" name="3 CuadroTexto"/>
-          <p:cNvSpPr txBox="1"/>
-          <p:nvPr/>
-        </p:nvSpPr>
-        <p:spPr>
-          <a:xfrm>
-            <a:off x="467544" y="332656"/>
-            <a:ext cx="7848872" cy="1938992"/>
-          </a:xfrm>
-          <a:prstGeom prst="rect">
-            <a:avLst/>
-          </a:prstGeom>
-          <a:noFill/>
-        </p:spPr>
-        <p:txBody>
-          <a:bodyPr wrap="square" rtlCol="0">
-            <a:spAutoFit/>
-          </a:bodyPr>
-          <a:lstStyle/>
-          <a:p>
-            <a:pPr algn="ctr"/>
-            <a:r>
-              <a:rPr lang="es-ES" sz="6000" dirty="0" smtClean="0">
-                <a:solidFill>
-                  <a:srgbClr val="C00000"/>
-                </a:solidFill>
-                <a:latin typeface="Adobe Gothic Std B" pitchFamily="34" charset="-128"/>
-                <a:ea typeface="Adobe Gothic Std B" pitchFamily="34" charset="-128"/>
-              </a:rPr>
-              <a:t>Bloqueo de </a:t>
-            </a:r>
-            <a:r>
-              <a:rPr lang="es-ES" sz="6000" dirty="0" err="1" smtClean="0">
-                <a:solidFill>
-                  <a:srgbClr val="C00000"/>
-                </a:solidFill>
-                <a:latin typeface="Adobe Gothic Std B" pitchFamily="34" charset="-128"/>
-                <a:ea typeface="Adobe Gothic Std B" pitchFamily="34" charset="-128"/>
-              </a:rPr>
-              <a:t>BadWork</a:t>
-            </a:r>
-            <a:r>
-              <a:rPr lang="es-ES" sz="6000" dirty="0" smtClean="0">
-                <a:solidFill>
-                  <a:srgbClr val="C00000"/>
-                </a:solidFill>
-                <a:latin typeface="Adobe Gothic Std B" pitchFamily="34" charset="-128"/>
-                <a:ea typeface="Adobe Gothic Std B" pitchFamily="34" charset="-128"/>
-              </a:rPr>
-              <a:t> (usuario)</a:t>
-            </a:r>
-            <a:endParaRPr lang="es-ES" sz="6000" dirty="0">
-              <a:solidFill>
-                <a:srgbClr val="C00000"/>
-              </a:solidFill>
-              <a:latin typeface="Adobe Gothic Std B" pitchFamily="34" charset="-128"/>
-              <a:ea typeface="Adobe Gothic Std B" pitchFamily="34" charset="-128"/>
-            </a:endParaRPr>
-          </a:p>
-        </p:txBody>
-      </p:sp>
-    </p:spTree>
-  </p:cSld>
-  <p:clrMapOvr>
-    <a:masterClrMapping/>
-  </p:clrMapOvr>
-  <p:timing>
-    <p:tnLst>
-      <p:par>
-        <p:cTn id="1" dur="indefinite" restart="never" nodeType="tmRoot">
-          <p:childTnLst>
-            <p:seq concurrent="1" nextAc="seek">
-              <p:cTn id="2" dur="indefinite" nodeType="mainSeq">
-                <p:childTnLst>
-                  <p:par>
-                    <p:cTn id="3" fill="hold">
-                      <p:stCondLst>
-                        <p:cond delay="indefinite"/>
-                        <p:cond evt="onBegin" delay="0">
-                          <p:tn val="2"/>
-                        </p:cond>
-                      </p:stCondLst>
-                      <p:childTnLst>
-                        <p:par>
-                          <p:cTn id="4" fill="hold">
-                            <p:stCondLst>
-                              <p:cond delay="0"/>
-                            </p:stCondLst>
-                            <p:childTnLst>
-                              <p:par>
-                                <p:cTn id="5" presetID="9" presetClass="entr" presetSubtype="0" fill="hold" nodeType="withEffect">
-                                  <p:stCondLst>
-                                    <p:cond delay="0"/>
-                                  </p:stCondLst>
-                                  <p:childTnLst>
-                                    <p:set>
-                                      <p:cBhvr>
-                                        <p:cTn id="6" dur="1" fill="hold">
-                                          <p:stCondLst>
-                                            <p:cond delay="0"/>
-                                          </p:stCondLst>
-                                        </p:cTn>
-                                        <p:tgtEl>
-                                          <p:spTgt spid="5"/>
-                                        </p:tgtEl>
-                                        <p:attrNameLst>
-                                          <p:attrName>style.visibility</p:attrName>
-                                        </p:attrNameLst>
-                                      </p:cBhvr>
-                                      <p:to>
-                                        <p:strVal val="visible"/>
-                                      </p:to>
-                                    </p:set>
-                                    <p:animEffect transition="in" filter="dissolve">
-                                      <p:cBhvr>
-                                        <p:cTn id="7" dur="500"/>
-                                        <p:tgtEl>
-                                          <p:spTgt spid="5"/>
-                                        </p:tgtEl>
-                                      </p:cBhvr>
-                                    </p:animEffect>
-                                  </p:childTnLst>
-                                </p:cTn>
-                              </p:par>
-                            </p:childTnLst>
-                          </p:cTn>
-                        </p:par>
-                      </p:childTnLst>
-                    </p:cTn>
-                  </p:par>
-                </p:childTnLst>
-              </p:cTn>
-              <p:prevCondLst>
-                <p:cond evt="onPrev" delay="0">
-                  <p:tgtEl>
-                    <p:sldTgt/>
-                  </p:tgtEl>
-                </p:cond>
-              </p:prevCondLst>
-              <p:nextCondLst>
-                <p:cond evt="onNext" delay="0">
-                  <p:tgtEl>
-                    <p:sldTgt/>
-                  </p:tgtEl>
-                </p:cond>
-              </p:nextCondLst>
-            </p:seq>
-          </p:childTnLst>
-        </p:cTn>
-      </p:par>
-    </p:tnLst>
-  </p:timing>
-</p:sld>
-</file>
-
-<file path=ppt/slides/slide11.xml><?xml version="1.0" encoding="utf-8"?>
 <p:sld xmlns:a="http://schemas.openxmlformats.org/drawingml/2006/main" xmlns:r="http://schemas.openxmlformats.org/officeDocument/2006/relationships" xmlns:p="http://schemas.openxmlformats.org/presentationml/2006/main">
   <p:cSld>
     <p:spTree>
@@ -7779,7 +7267,7 @@
 </p:sld>
 </file>
 
-<file path=ppt/slides/slide12.xml><?xml version="1.0" encoding="utf-8"?>
+<file path=ppt/slides/slide11.xml><?xml version="1.0" encoding="utf-8"?>
 <p:sld xmlns:a="http://schemas.openxmlformats.org/drawingml/2006/main" xmlns:r="http://schemas.openxmlformats.org/officeDocument/2006/relationships" xmlns:p="http://schemas.openxmlformats.org/presentationml/2006/main">
   <p:cSld>
     <p:spTree>
@@ -8880,7 +8368,7 @@
 </p:sld>
 </file>
 
-<file path=ppt/slides/slide13.xml><?xml version="1.0" encoding="utf-8"?>
+<file path=ppt/slides/slide12.xml><?xml version="1.0" encoding="utf-8"?>
 <p:sld xmlns:a="http://schemas.openxmlformats.org/drawingml/2006/main" xmlns:r="http://schemas.openxmlformats.org/officeDocument/2006/relationships" xmlns:p="http://schemas.openxmlformats.org/presentationml/2006/main">
   <p:cSld>
     <p:spTree>
@@ -8899,636 +8387,23 @@
       </p:grpSpPr>
       <p:sp>
         <p:nvSpPr>
-          <p:cNvPr id="4" name="3 CuadroTexto"/>
-          <p:cNvSpPr txBox="1"/>
-          <p:nvPr/>
-        </p:nvSpPr>
-        <p:spPr>
-          <a:xfrm>
-            <a:off x="467544" y="332656"/>
-            <a:ext cx="7488832" cy="1938992"/>
-          </a:xfrm>
-          <a:prstGeom prst="rect">
-            <a:avLst/>
-          </a:prstGeom>
-          <a:noFill/>
-        </p:spPr>
-        <p:txBody>
-          <a:bodyPr wrap="square" rtlCol="0">
-            <a:spAutoFit/>
-          </a:bodyPr>
-          <a:lstStyle/>
-          <a:p>
-            <a:pPr algn="ctr"/>
-            <a:r>
-              <a:rPr lang="es-ES" sz="6000" dirty="0" smtClean="0">
-                <a:solidFill>
-                  <a:srgbClr val="C00000"/>
-                </a:solidFill>
-                <a:latin typeface="Adobe Gothic Std B" pitchFamily="34" charset="-128"/>
-                <a:ea typeface="Adobe Gothic Std B" pitchFamily="34" charset="-128"/>
-              </a:rPr>
-              <a:t>Cambio de contraseña</a:t>
-            </a:r>
-            <a:endParaRPr lang="es-ES" sz="6000" dirty="0">
-              <a:solidFill>
-                <a:srgbClr val="C00000"/>
-              </a:solidFill>
-              <a:latin typeface="Adobe Gothic Std B" pitchFamily="34" charset="-128"/>
-              <a:ea typeface="Adobe Gothic Std B" pitchFamily="34" charset="-128"/>
-            </a:endParaRPr>
-          </a:p>
-        </p:txBody>
-      </p:sp>
-      <p:pic>
-        <p:nvPicPr>
-          <p:cNvPr id="29698" name="Picture 2"/>
-          <p:cNvPicPr>
-            <a:picLocks noGrp="1" noChangeAspect="1" noChangeArrowheads="1"/>
-          </p:cNvPicPr>
+          <p:cNvPr id="3" name="2 Marcador de contenido"/>
+          <p:cNvSpPr>
+            <a:spLocks noGrp="1"/>
+          </p:cNvSpPr>
           <p:nvPr>
             <p:ph sz="quarter" idx="1"/>
           </p:nvPr>
-        </p:nvPicPr>
-        <p:blipFill>
-          <a:blip r:embed="rId3" cstate="print"/>
-          <a:srcRect/>
-          <a:stretch>
-            <a:fillRect/>
-          </a:stretch>
-        </p:blipFill>
-        <p:spPr bwMode="auto">
-          <a:xfrm>
-            <a:off x="683568" y="3429000"/>
-            <a:ext cx="7467600" cy="1360595"/>
-          </a:xfrm>
-          <a:prstGeom prst="rect">
-            <a:avLst/>
-          </a:prstGeom>
-          <a:ln>
-            <a:noFill/>
-          </a:ln>
-          <a:effectLst>
-            <a:outerShdw blurRad="190500" algn="tl" rotWithShape="0">
-              <a:srgbClr val="000000">
-                <a:alpha val="70000"/>
-              </a:srgbClr>
-            </a:outerShdw>
-          </a:effectLst>
-        </p:spPr>
-      </p:pic>
-    </p:spTree>
-  </p:cSld>
-  <p:clrMapOvr>
-    <a:masterClrMapping/>
-  </p:clrMapOvr>
-  <p:timing>
-    <p:tnLst>
-      <p:par>
-        <p:cTn id="1" dur="indefinite" restart="never" nodeType="tmRoot">
-          <p:childTnLst>
-            <p:seq concurrent="1" nextAc="seek">
-              <p:cTn id="2" dur="indefinite" nodeType="mainSeq">
-                <p:childTnLst>
-                  <p:par>
-                    <p:cTn id="3" fill="hold">
-                      <p:stCondLst>
-                        <p:cond delay="indefinite"/>
-                        <p:cond evt="onBegin" delay="0">
-                          <p:tn val="2"/>
-                        </p:cond>
-                      </p:stCondLst>
-                      <p:childTnLst>
-                        <p:par>
-                          <p:cTn id="4" fill="hold">
-                            <p:stCondLst>
-                              <p:cond delay="0"/>
-                            </p:stCondLst>
-                            <p:childTnLst>
-                              <p:par>
-                                <p:cTn id="5" presetID="9" presetClass="entr" presetSubtype="0" fill="hold" nodeType="withEffect">
-                                  <p:stCondLst>
-                                    <p:cond delay="0"/>
-                                  </p:stCondLst>
-                                  <p:childTnLst>
-                                    <p:set>
-                                      <p:cBhvr>
-                                        <p:cTn id="6" dur="1" fill="hold">
-                                          <p:stCondLst>
-                                            <p:cond delay="0"/>
-                                          </p:stCondLst>
-                                        </p:cTn>
-                                        <p:tgtEl>
-                                          <p:spTgt spid="29698"/>
-                                        </p:tgtEl>
-                                        <p:attrNameLst>
-                                          <p:attrName>style.visibility</p:attrName>
-                                        </p:attrNameLst>
-                                      </p:cBhvr>
-                                      <p:to>
-                                        <p:strVal val="visible"/>
-                                      </p:to>
-                                    </p:set>
-                                    <p:animEffect transition="in" filter="dissolve">
-                                      <p:cBhvr>
-                                        <p:cTn id="7" dur="500"/>
-                                        <p:tgtEl>
-                                          <p:spTgt spid="29698"/>
-                                        </p:tgtEl>
-                                      </p:cBhvr>
-                                    </p:animEffect>
-                                  </p:childTnLst>
-                                </p:cTn>
-                              </p:par>
-                            </p:childTnLst>
-                          </p:cTn>
-                        </p:par>
-                      </p:childTnLst>
-                    </p:cTn>
-                  </p:par>
-                </p:childTnLst>
-              </p:cTn>
-              <p:prevCondLst>
-                <p:cond evt="onPrev" delay="0">
-                  <p:tgtEl>
-                    <p:sldTgt/>
-                  </p:tgtEl>
-                </p:cond>
-              </p:prevCondLst>
-              <p:nextCondLst>
-                <p:cond evt="onNext" delay="0">
-                  <p:tgtEl>
-                    <p:sldTgt/>
-                  </p:tgtEl>
-                </p:cond>
-              </p:nextCondLst>
-            </p:seq>
-          </p:childTnLst>
-        </p:cTn>
-      </p:par>
-    </p:tnLst>
-  </p:timing>
-</p:sld>
-</file>
-
-<file path=ppt/slides/slide14.xml><?xml version="1.0" encoding="utf-8"?>
-<p:sld xmlns:a="http://schemas.openxmlformats.org/drawingml/2006/main" xmlns:r="http://schemas.openxmlformats.org/officeDocument/2006/relationships" xmlns:p="http://schemas.openxmlformats.org/presentationml/2006/main">
-  <p:cSld>
-    <p:spTree>
-      <p:nvGrpSpPr>
-        <p:cNvPr id="1" name=""/>
-        <p:cNvGrpSpPr/>
-        <p:nvPr/>
-      </p:nvGrpSpPr>
-      <p:grpSpPr>
-        <a:xfrm>
-          <a:off x="0" y="0"/>
-          <a:ext cx="0" cy="0"/>
-          <a:chOff x="0" y="0"/>
-          <a:chExt cx="0" cy="0"/>
-        </a:xfrm>
-      </p:grpSpPr>
-      <p:sp>
-        <p:nvSpPr>
-          <p:cNvPr id="4" name="3 CuadroTexto"/>
-          <p:cNvSpPr txBox="1"/>
-          <p:nvPr/>
         </p:nvSpPr>
         <p:spPr>
           <a:xfrm>
-            <a:off x="467544" y="260648"/>
-            <a:ext cx="7488832" cy="1015663"/>
-          </a:xfrm>
-          <a:prstGeom prst="rect">
-            <a:avLst/>
-          </a:prstGeom>
-          <a:noFill/>
-        </p:spPr>
-        <p:txBody>
-          <a:bodyPr wrap="square" rtlCol="0">
-            <a:spAutoFit/>
-          </a:bodyPr>
-          <a:lstStyle/>
-          <a:p>
-            <a:pPr algn="ctr"/>
-            <a:r>
-              <a:rPr lang="es-ES" sz="6000" dirty="0" smtClean="0">
-                <a:solidFill>
-                  <a:srgbClr val="C00000"/>
-                </a:solidFill>
-                <a:latin typeface="Adobe Gothic Std B" pitchFamily="34" charset="-128"/>
-                <a:ea typeface="Adobe Gothic Std B" pitchFamily="34" charset="-128"/>
-              </a:rPr>
-              <a:t>Lista negra</a:t>
-            </a:r>
-            <a:endParaRPr lang="es-ES" sz="6000" dirty="0">
-              <a:solidFill>
-                <a:srgbClr val="C00000"/>
-              </a:solidFill>
-              <a:latin typeface="Adobe Gothic Std B" pitchFamily="34" charset="-128"/>
-              <a:ea typeface="Adobe Gothic Std B" pitchFamily="34" charset="-128"/>
-            </a:endParaRPr>
-          </a:p>
-        </p:txBody>
-      </p:sp>
-      <p:pic>
-        <p:nvPicPr>
-          <p:cNvPr id="30722" name="Picture 2"/>
-          <p:cNvPicPr>
-            <a:picLocks noGrp="1" noChangeAspect="1" noChangeArrowheads="1"/>
-          </p:cNvPicPr>
-          <p:nvPr>
-            <p:ph sz="quarter" idx="1"/>
-          </p:nvPr>
-        </p:nvPicPr>
-        <p:blipFill>
-          <a:blip r:embed="rId3" cstate="print"/>
-          <a:srcRect/>
-          <a:stretch>
-            <a:fillRect/>
-          </a:stretch>
-        </p:blipFill>
-        <p:spPr bwMode="auto">
-          <a:xfrm>
-            <a:off x="683568" y="2060848"/>
-            <a:ext cx="7467600" cy="2736304"/>
-          </a:xfrm>
-          <a:prstGeom prst="rect">
-            <a:avLst/>
-          </a:prstGeom>
-          <a:ln>
-            <a:noFill/>
-          </a:ln>
-          <a:effectLst>
-            <a:outerShdw blurRad="190500" algn="tl" rotWithShape="0">
-              <a:srgbClr val="000000">
-                <a:alpha val="70000"/>
-              </a:srgbClr>
-            </a:outerShdw>
-          </a:effectLst>
-        </p:spPr>
-      </p:pic>
-    </p:spTree>
-  </p:cSld>
-  <p:clrMapOvr>
-    <a:masterClrMapping/>
-  </p:clrMapOvr>
-  <p:timing>
-    <p:tnLst>
-      <p:par>
-        <p:cTn id="1" dur="indefinite" restart="never" nodeType="tmRoot">
-          <p:childTnLst>
-            <p:seq concurrent="1" nextAc="seek">
-              <p:cTn id="2" dur="indefinite" nodeType="mainSeq">
-                <p:childTnLst>
-                  <p:par>
-                    <p:cTn id="3" fill="hold">
-                      <p:stCondLst>
-                        <p:cond delay="indefinite"/>
-                        <p:cond evt="onBegin" delay="0">
-                          <p:tn val="2"/>
-                        </p:cond>
-                      </p:stCondLst>
-                      <p:childTnLst>
-                        <p:par>
-                          <p:cTn id="4" fill="hold">
-                            <p:stCondLst>
-                              <p:cond delay="0"/>
-                            </p:stCondLst>
-                            <p:childTnLst>
-                              <p:par>
-                                <p:cTn id="5" presetID="9" presetClass="entr" presetSubtype="0" fill="hold" nodeType="withEffect">
-                                  <p:stCondLst>
-                                    <p:cond delay="0"/>
-                                  </p:stCondLst>
-                                  <p:childTnLst>
-                                    <p:set>
-                                      <p:cBhvr>
-                                        <p:cTn id="6" dur="1" fill="hold">
-                                          <p:stCondLst>
-                                            <p:cond delay="0"/>
-                                          </p:stCondLst>
-                                        </p:cTn>
-                                        <p:tgtEl>
-                                          <p:spTgt spid="30722"/>
-                                        </p:tgtEl>
-                                        <p:attrNameLst>
-                                          <p:attrName>style.visibility</p:attrName>
-                                        </p:attrNameLst>
-                                      </p:cBhvr>
-                                      <p:to>
-                                        <p:strVal val="visible"/>
-                                      </p:to>
-                                    </p:set>
-                                    <p:animEffect transition="in" filter="dissolve">
-                                      <p:cBhvr>
-                                        <p:cTn id="7" dur="500"/>
-                                        <p:tgtEl>
-                                          <p:spTgt spid="30722"/>
-                                        </p:tgtEl>
-                                      </p:cBhvr>
-                                    </p:animEffect>
-                                  </p:childTnLst>
-                                </p:cTn>
-                              </p:par>
-                            </p:childTnLst>
-                          </p:cTn>
-                        </p:par>
-                      </p:childTnLst>
-                    </p:cTn>
-                  </p:par>
-                </p:childTnLst>
-              </p:cTn>
-              <p:prevCondLst>
-                <p:cond evt="onPrev" delay="0">
-                  <p:tgtEl>
-                    <p:sldTgt/>
-                  </p:tgtEl>
-                </p:cond>
-              </p:prevCondLst>
-              <p:nextCondLst>
-                <p:cond evt="onNext" delay="0">
-                  <p:tgtEl>
-                    <p:sldTgt/>
-                  </p:tgtEl>
-                </p:cond>
-              </p:nextCondLst>
-            </p:seq>
-          </p:childTnLst>
-        </p:cTn>
-      </p:par>
-    </p:tnLst>
-  </p:timing>
-</p:sld>
-</file>
-
-<file path=ppt/slides/slide15.xml><?xml version="1.0" encoding="utf-8"?>
-<p:sld xmlns:a="http://schemas.openxmlformats.org/drawingml/2006/main" xmlns:r="http://schemas.openxmlformats.org/officeDocument/2006/relationships" xmlns:p="http://schemas.openxmlformats.org/presentationml/2006/main">
-  <p:cSld>
-    <p:spTree>
-      <p:nvGrpSpPr>
-        <p:cNvPr id="1" name=""/>
-        <p:cNvGrpSpPr/>
-        <p:nvPr/>
-      </p:nvGrpSpPr>
-      <p:grpSpPr>
-        <a:xfrm>
-          <a:off x="0" y="0"/>
-          <a:ext cx="0" cy="0"/>
-          <a:chOff x="0" y="0"/>
-          <a:chExt cx="0" cy="0"/>
-        </a:xfrm>
-      </p:grpSpPr>
-      <p:sp>
-        <p:nvSpPr>
-          <p:cNvPr id="4" name="3 CuadroTexto"/>
-          <p:cNvSpPr txBox="1"/>
-          <p:nvPr/>
-        </p:nvSpPr>
-        <p:spPr>
-          <a:xfrm>
-            <a:off x="467544" y="260648"/>
-            <a:ext cx="7488832" cy="1938992"/>
-          </a:xfrm>
-          <a:prstGeom prst="rect">
-            <a:avLst/>
-          </a:prstGeom>
-          <a:noFill/>
-        </p:spPr>
-        <p:txBody>
-          <a:bodyPr wrap="square" rtlCol="0">
-            <a:spAutoFit/>
-          </a:bodyPr>
-          <a:lstStyle/>
-          <a:p>
-            <a:pPr algn="ctr"/>
-            <a:r>
-              <a:rPr lang="es-ES" sz="6000" dirty="0" smtClean="0">
-                <a:solidFill>
-                  <a:srgbClr val="C00000"/>
-                </a:solidFill>
-                <a:latin typeface="Adobe Gothic Std B" pitchFamily="34" charset="-128"/>
-                <a:ea typeface="Adobe Gothic Std B" pitchFamily="34" charset="-128"/>
-              </a:rPr>
-              <a:t>Eliminar página de la lista negra</a:t>
-            </a:r>
-            <a:endParaRPr lang="es-ES" sz="6000" dirty="0">
-              <a:solidFill>
-                <a:srgbClr val="C00000"/>
-              </a:solidFill>
-              <a:latin typeface="Adobe Gothic Std B" pitchFamily="34" charset="-128"/>
-              <a:ea typeface="Adobe Gothic Std B" pitchFamily="34" charset="-128"/>
-            </a:endParaRPr>
-          </a:p>
-        </p:txBody>
-      </p:sp>
-      <p:pic>
-        <p:nvPicPr>
-          <p:cNvPr id="30722" name="Picture 2"/>
-          <p:cNvPicPr>
-            <a:picLocks noGrp="1" noChangeAspect="1" noChangeArrowheads="1"/>
-          </p:cNvPicPr>
-          <p:nvPr>
-            <p:ph sz="quarter" idx="1"/>
-          </p:nvPr>
-        </p:nvPicPr>
-        <p:blipFill>
-          <a:blip r:embed="rId3" cstate="print"/>
-          <a:srcRect/>
-          <a:stretch>
-            <a:fillRect/>
-          </a:stretch>
-        </p:blipFill>
-        <p:spPr bwMode="auto">
-          <a:xfrm>
-            <a:off x="683568" y="2708920"/>
-            <a:ext cx="7467600" cy="2736304"/>
-          </a:xfrm>
-          <a:prstGeom prst="rect">
-            <a:avLst/>
-          </a:prstGeom>
-          <a:ln>
-            <a:noFill/>
-          </a:ln>
-          <a:effectLst>
-            <a:outerShdw blurRad="190500" algn="tl" rotWithShape="0">
-              <a:srgbClr val="000000">
-                <a:alpha val="70000"/>
-              </a:srgbClr>
-            </a:outerShdw>
-          </a:effectLst>
-        </p:spPr>
-      </p:pic>
-      <p:sp>
-        <p:nvSpPr>
-          <p:cNvPr id="5" name="4 Flecha abajo"/>
-          <p:cNvSpPr/>
-          <p:nvPr/>
-        </p:nvSpPr>
-        <p:spPr>
-          <a:xfrm>
-            <a:off x="7308304" y="3068960"/>
-            <a:ext cx="432048" cy="576064"/>
-          </a:xfrm>
-          <a:prstGeom prst="downArrow">
-            <a:avLst/>
-          </a:prstGeom>
-        </p:spPr>
-        <p:style>
-          <a:lnRef idx="2">
-            <a:schemeClr val="accent1">
-              <a:shade val="50000"/>
-            </a:schemeClr>
-          </a:lnRef>
-          <a:fillRef idx="1">
-            <a:schemeClr val="accent1"/>
-          </a:fillRef>
-          <a:effectRef idx="0">
-            <a:schemeClr val="accent1"/>
-          </a:effectRef>
-          <a:fontRef idx="minor">
-            <a:schemeClr val="lt1"/>
-          </a:fontRef>
-        </p:style>
-        <p:txBody>
-          <a:bodyPr rtlCol="0" anchor="ctr"/>
-          <a:lstStyle/>
-          <a:p>
-            <a:pPr algn="ctr"/>
-            <a:endParaRPr lang="es-ES"/>
-          </a:p>
-        </p:txBody>
-      </p:sp>
-    </p:spTree>
-  </p:cSld>
-  <p:clrMapOvr>
-    <a:masterClrMapping/>
-  </p:clrMapOvr>
-  <p:timing>
-    <p:tnLst>
-      <p:par>
-        <p:cTn id="1" dur="indefinite" restart="never" nodeType="tmRoot">
-          <p:childTnLst>
-            <p:seq concurrent="1" nextAc="seek">
-              <p:cTn id="2" dur="indefinite" nodeType="mainSeq">
-                <p:childTnLst>
-                  <p:par>
-                    <p:cTn id="3" fill="hold">
-                      <p:stCondLst>
-                        <p:cond delay="indefinite"/>
-                        <p:cond evt="onBegin" delay="0">
-                          <p:tn val="2"/>
-                        </p:cond>
-                      </p:stCondLst>
-                      <p:childTnLst>
-                        <p:par>
-                          <p:cTn id="4" fill="hold">
-                            <p:stCondLst>
-                              <p:cond delay="0"/>
-                            </p:stCondLst>
-                            <p:childTnLst>
-                              <p:par>
-                                <p:cTn id="5" presetID="9" presetClass="entr" presetSubtype="0" fill="hold" nodeType="withEffect">
-                                  <p:stCondLst>
-                                    <p:cond delay="0"/>
-                                  </p:stCondLst>
-                                  <p:childTnLst>
-                                    <p:set>
-                                      <p:cBhvr>
-                                        <p:cTn id="6" dur="1" fill="hold">
-                                          <p:stCondLst>
-                                            <p:cond delay="0"/>
-                                          </p:stCondLst>
-                                        </p:cTn>
-                                        <p:tgtEl>
-                                          <p:spTgt spid="30722"/>
-                                        </p:tgtEl>
-                                        <p:attrNameLst>
-                                          <p:attrName>style.visibility</p:attrName>
-                                        </p:attrNameLst>
-                                      </p:cBhvr>
-                                      <p:to>
-                                        <p:strVal val="visible"/>
-                                      </p:to>
-                                    </p:set>
-                                    <p:animEffect transition="in" filter="dissolve">
-                                      <p:cBhvr>
-                                        <p:cTn id="7" dur="500"/>
-                                        <p:tgtEl>
-                                          <p:spTgt spid="30722"/>
-                                        </p:tgtEl>
-                                      </p:cBhvr>
-                                    </p:animEffect>
-                                  </p:childTnLst>
-                                </p:cTn>
-                              </p:par>
-                            </p:childTnLst>
-                          </p:cTn>
-                        </p:par>
-                      </p:childTnLst>
-                    </p:cTn>
-                  </p:par>
-                </p:childTnLst>
-              </p:cTn>
-              <p:prevCondLst>
-                <p:cond evt="onPrev" delay="0">
-                  <p:tgtEl>
-                    <p:sldTgt/>
-                  </p:tgtEl>
-                </p:cond>
-              </p:prevCondLst>
-              <p:nextCondLst>
-                <p:cond evt="onNext" delay="0">
-                  <p:tgtEl>
-                    <p:sldTgt/>
-                  </p:tgtEl>
-                </p:cond>
-              </p:nextCondLst>
-            </p:seq>
-          </p:childTnLst>
-        </p:cTn>
-      </p:par>
-    </p:tnLst>
-  </p:timing>
-</p:sld>
-</file>
-
-<file path=ppt/slides/slide16.xml><?xml version="1.0" encoding="utf-8"?>
-<p:sld xmlns:a="http://schemas.openxmlformats.org/drawingml/2006/main" xmlns:r="http://schemas.openxmlformats.org/officeDocument/2006/relationships" xmlns:p="http://schemas.openxmlformats.org/presentationml/2006/main">
-  <p:cSld>
-    <p:spTree>
-      <p:nvGrpSpPr>
-        <p:cNvPr id="1" name=""/>
-        <p:cNvGrpSpPr/>
-        <p:nvPr/>
-      </p:nvGrpSpPr>
-      <p:grpSpPr>
-        <a:xfrm>
-          <a:off x="0" y="0"/>
-          <a:ext cx="0" cy="0"/>
-          <a:chOff x="0" y="0"/>
-          <a:chExt cx="0" cy="0"/>
-        </a:xfrm>
-      </p:grpSpPr>
-      <p:sp>
-        <p:nvSpPr>
-          <p:cNvPr id="3" name="2 Marcador de contenido"/>
-          <p:cNvSpPr>
-            <a:spLocks noGrp="1"/>
-          </p:cNvSpPr>
-          <p:nvPr>
-            <p:ph sz="quarter" idx="1"/>
-          </p:nvPr>
-        </p:nvSpPr>
-        <p:spPr>
-          <a:xfrm>
-            <a:off x="467544" y="2924944"/>
-            <a:ext cx="7467600" cy="2396880"/>
+            <a:off x="611560" y="2564904"/>
+            <a:ext cx="7467600" cy="3384376"/>
           </a:xfrm>
         </p:spPr>
         <p:txBody>
           <a:bodyPr>
-            <a:normAutofit/>
+            <a:noAutofit/>
           </a:bodyPr>
           <a:lstStyle/>
           <a:p>
@@ -9544,7 +8419,47 @@
                 <a:latin typeface="Arial" pitchFamily="34" charset="0"/>
                 <a:cs typeface="Arial" pitchFamily="34" charset="0"/>
               </a:rPr>
-              <a:t> SDK</a:t>
+              <a:t> </a:t>
+            </a:r>
+            <a:r>
+              <a:rPr lang="es-ES" sz="4000" dirty="0" smtClean="0">
+                <a:latin typeface="Arial" pitchFamily="34" charset="0"/>
+                <a:cs typeface="Arial" pitchFamily="34" charset="0"/>
+              </a:rPr>
+              <a:t>SDK</a:t>
+            </a:r>
+          </a:p>
+          <a:p>
+            <a:pPr>
+              <a:buNone/>
+            </a:pPr>
+            <a:endParaRPr lang="es-ES" sz="4000" dirty="0" smtClean="0">
+              <a:latin typeface="Arial" pitchFamily="34" charset="0"/>
+              <a:cs typeface="Arial" pitchFamily="34" charset="0"/>
+            </a:endParaRPr>
+          </a:p>
+          <a:p>
+            <a:r>
+              <a:rPr lang="es-ES" sz="4000" dirty="0" smtClean="0">
+                <a:latin typeface="Arial" pitchFamily="34" charset="0"/>
+                <a:cs typeface="Arial" pitchFamily="34" charset="0"/>
+              </a:rPr>
+              <a:t>XPCOM</a:t>
+            </a:r>
+          </a:p>
+          <a:p>
+            <a:endParaRPr lang="es-ES" sz="4000" dirty="0" smtClean="0">
+              <a:latin typeface="Arial" pitchFamily="34" charset="0"/>
+              <a:cs typeface="Arial" pitchFamily="34" charset="0"/>
+            </a:endParaRPr>
+          </a:p>
+          <a:p>
+            <a:r>
+              <a:rPr lang="es-ES" sz="4000" dirty="0" err="1" smtClean="0">
+                <a:latin typeface="Arial" pitchFamily="34" charset="0"/>
+                <a:cs typeface="Arial" pitchFamily="34" charset="0"/>
+              </a:rPr>
+              <a:t>XPConnect</a:t>
             </a:r>
             <a:endParaRPr lang="es-ES" sz="4000" dirty="0">
               <a:latin typeface="Arial" pitchFamily="34" charset="0"/>
@@ -9613,7 +8528,7 @@
         </p:blipFill>
         <p:spPr bwMode="auto">
           <a:xfrm>
-            <a:off x="3923928" y="2492896"/>
+            <a:off x="3995936" y="2780928"/>
             <a:ext cx="4054590" cy="2862065"/>
           </a:xfrm>
           <a:prstGeom prst="rect">
@@ -9747,8 +8662,244 @@
                                   </p:childTnLst>
                                 </p:cTn>
                               </p:par>
+                            </p:childTnLst>
+                          </p:cTn>
+                        </p:par>
+                      </p:childTnLst>
+                    </p:cTn>
+                  </p:par>
+                  <p:par>
+                    <p:cTn id="10" fill="hold">
+                      <p:stCondLst>
+                        <p:cond delay="indefinite"/>
+                      </p:stCondLst>
+                      <p:childTnLst>
+                        <p:par>
+                          <p:cTn id="11" fill="hold">
+                            <p:stCondLst>
+                              <p:cond delay="0"/>
+                            </p:stCondLst>
+                            <p:childTnLst>
                               <p:par>
-                                <p:cTn id="10" presetID="31" presetClass="entr" presetSubtype="0" fill="hold" nodeType="withEffect">
+                                <p:cTn id="12" presetID="45" presetClass="entr" presetSubtype="0" fill="hold" grpId="0" nodeType="clickEffect">
+                                  <p:stCondLst>
+                                    <p:cond delay="0"/>
+                                  </p:stCondLst>
+                                  <p:iterate type="lt">
+                                    <p:tmPct val="10000"/>
+                                  </p:iterate>
+                                  <p:childTnLst>
+                                    <p:set>
+                                      <p:cBhvr>
+                                        <p:cTn id="13" dur="1" fill="hold">
+                                          <p:stCondLst>
+                                            <p:cond delay="0"/>
+                                          </p:stCondLst>
+                                        </p:cTn>
+                                        <p:tgtEl>
+                                          <p:spTgt spid="3">
+                                            <p:txEl>
+                                              <p:pRg st="2" end="2"/>
+                                            </p:txEl>
+                                          </p:spTgt>
+                                        </p:tgtEl>
+                                        <p:attrNameLst>
+                                          <p:attrName>style.visibility</p:attrName>
+                                        </p:attrNameLst>
+                                      </p:cBhvr>
+                                      <p:to>
+                                        <p:strVal val="visible"/>
+                                      </p:to>
+                                    </p:set>
+                                    <p:animEffect transition="in" filter="fade">
+                                      <p:cBhvr>
+                                        <p:cTn id="14" dur="2000"/>
+                                        <p:tgtEl>
+                                          <p:spTgt spid="3">
+                                            <p:txEl>
+                                              <p:pRg st="2" end="2"/>
+                                            </p:txEl>
+                                          </p:spTgt>
+                                        </p:tgtEl>
+                                      </p:cBhvr>
+                                    </p:animEffect>
+                                    <p:anim calcmode="lin" valueType="num">
+                                      <p:cBhvr>
+                                        <p:cTn id="15" dur="2000" fill="hold"/>
+                                        <p:tgtEl>
+                                          <p:spTgt spid="3">
+                                            <p:txEl>
+                                              <p:pRg st="2" end="2"/>
+                                            </p:txEl>
+                                          </p:spTgt>
+                                        </p:tgtEl>
+                                        <p:attrNameLst>
+                                          <p:attrName>ppt_w</p:attrName>
+                                        </p:attrNameLst>
+                                      </p:cBhvr>
+                                      <p:tavLst>
+                                        <p:tav tm="0" fmla="#ppt_w*sin(2.5*pi*$)">
+                                          <p:val>
+                                            <p:fltVal val="0"/>
+                                          </p:val>
+                                        </p:tav>
+                                        <p:tav tm="100000">
+                                          <p:val>
+                                            <p:fltVal val="1"/>
+                                          </p:val>
+                                        </p:tav>
+                                      </p:tavLst>
+                                    </p:anim>
+                                    <p:anim calcmode="lin" valueType="num">
+                                      <p:cBhvr>
+                                        <p:cTn id="16" dur="2000" fill="hold"/>
+                                        <p:tgtEl>
+                                          <p:spTgt spid="3">
+                                            <p:txEl>
+                                              <p:pRg st="2" end="2"/>
+                                            </p:txEl>
+                                          </p:spTgt>
+                                        </p:tgtEl>
+                                        <p:attrNameLst>
+                                          <p:attrName>ppt_h</p:attrName>
+                                        </p:attrNameLst>
+                                      </p:cBhvr>
+                                      <p:tavLst>
+                                        <p:tav tm="0">
+                                          <p:val>
+                                            <p:strVal val="#ppt_h"/>
+                                          </p:val>
+                                        </p:tav>
+                                        <p:tav tm="100000">
+                                          <p:val>
+                                            <p:strVal val="#ppt_h"/>
+                                          </p:val>
+                                        </p:tav>
+                                      </p:tavLst>
+                                    </p:anim>
+                                  </p:childTnLst>
+                                </p:cTn>
+                              </p:par>
+                            </p:childTnLst>
+                          </p:cTn>
+                        </p:par>
+                      </p:childTnLst>
+                    </p:cTn>
+                  </p:par>
+                  <p:par>
+                    <p:cTn id="17" fill="hold">
+                      <p:stCondLst>
+                        <p:cond delay="indefinite"/>
+                      </p:stCondLst>
+                      <p:childTnLst>
+                        <p:par>
+                          <p:cTn id="18" fill="hold">
+                            <p:stCondLst>
+                              <p:cond delay="0"/>
+                            </p:stCondLst>
+                            <p:childTnLst>
+                              <p:par>
+                                <p:cTn id="19" presetID="45" presetClass="entr" presetSubtype="0" fill="hold" grpId="0" nodeType="clickEffect">
+                                  <p:stCondLst>
+                                    <p:cond delay="0"/>
+                                  </p:stCondLst>
+                                  <p:iterate type="lt">
+                                    <p:tmPct val="10000"/>
+                                  </p:iterate>
+                                  <p:childTnLst>
+                                    <p:set>
+                                      <p:cBhvr>
+                                        <p:cTn id="20" dur="1" fill="hold">
+                                          <p:stCondLst>
+                                            <p:cond delay="0"/>
+                                          </p:stCondLst>
+                                        </p:cTn>
+                                        <p:tgtEl>
+                                          <p:spTgt spid="3">
+                                            <p:txEl>
+                                              <p:pRg st="4" end="4"/>
+                                            </p:txEl>
+                                          </p:spTgt>
+                                        </p:tgtEl>
+                                        <p:attrNameLst>
+                                          <p:attrName>style.visibility</p:attrName>
+                                        </p:attrNameLst>
+                                      </p:cBhvr>
+                                      <p:to>
+                                        <p:strVal val="visible"/>
+                                      </p:to>
+                                    </p:set>
+                                    <p:animEffect transition="in" filter="fade">
+                                      <p:cBhvr>
+                                        <p:cTn id="21" dur="2000"/>
+                                        <p:tgtEl>
+                                          <p:spTgt spid="3">
+                                            <p:txEl>
+                                              <p:pRg st="4" end="4"/>
+                                            </p:txEl>
+                                          </p:spTgt>
+                                        </p:tgtEl>
+                                      </p:cBhvr>
+                                    </p:animEffect>
+                                    <p:anim calcmode="lin" valueType="num">
+                                      <p:cBhvr>
+                                        <p:cTn id="22" dur="2000" fill="hold"/>
+                                        <p:tgtEl>
+                                          <p:spTgt spid="3">
+                                            <p:txEl>
+                                              <p:pRg st="4" end="4"/>
+                                            </p:txEl>
+                                          </p:spTgt>
+                                        </p:tgtEl>
+                                        <p:attrNameLst>
+                                          <p:attrName>ppt_w</p:attrName>
+                                        </p:attrNameLst>
+                                      </p:cBhvr>
+                                      <p:tavLst>
+                                        <p:tav tm="0" fmla="#ppt_w*sin(2.5*pi*$)">
+                                          <p:val>
+                                            <p:fltVal val="0"/>
+                                          </p:val>
+                                        </p:tav>
+                                        <p:tav tm="100000">
+                                          <p:val>
+                                            <p:fltVal val="1"/>
+                                          </p:val>
+                                        </p:tav>
+                                      </p:tavLst>
+                                    </p:anim>
+                                    <p:anim calcmode="lin" valueType="num">
+                                      <p:cBhvr>
+                                        <p:cTn id="23" dur="2000" fill="hold"/>
+                                        <p:tgtEl>
+                                          <p:spTgt spid="3">
+                                            <p:txEl>
+                                              <p:pRg st="4" end="4"/>
+                                            </p:txEl>
+                                          </p:spTgt>
+                                        </p:tgtEl>
+                                        <p:attrNameLst>
+                                          <p:attrName>ppt_h</p:attrName>
+                                        </p:attrNameLst>
+                                      </p:cBhvr>
+                                      <p:tavLst>
+                                        <p:tav tm="0">
+                                          <p:val>
+                                            <p:strVal val="#ppt_h"/>
+                                          </p:val>
+                                        </p:tav>
+                                        <p:tav tm="100000">
+                                          <p:val>
+                                            <p:strVal val="#ppt_h"/>
+                                          </p:val>
+                                        </p:tav>
+                                      </p:tavLst>
+                                    </p:anim>
+                                  </p:childTnLst>
+                                </p:cTn>
+                              </p:par>
+                              <p:par>
+                                <p:cTn id="24" presetID="31" presetClass="entr" presetSubtype="0" fill="hold" nodeType="withEffect">
                                   <p:stCondLst>
                                     <p:cond delay="0"/>
                                   </p:stCondLst>
@@ -9758,7 +8909,7 @@
                                   <p:childTnLst>
                                     <p:set>
                                       <p:cBhvr>
-                                        <p:cTn id="11" dur="1" fill="hold">
+                                        <p:cTn id="25" dur="1" fill="hold">
                                           <p:stCondLst>
                                             <p:cond delay="0"/>
                                           </p:stCondLst>
@@ -9776,7 +8927,7 @@
                                     </p:set>
                                     <p:anim calcmode="lin" valueType="num">
                                       <p:cBhvr>
-                                        <p:cTn id="12" dur="1000" fill="hold"/>
+                                        <p:cTn id="26" dur="1000" fill="hold"/>
                                         <p:tgtEl>
                                           <p:spTgt spid="31748"/>
                                         </p:tgtEl>
@@ -9799,7 +8950,7 @@
                                     </p:anim>
                                     <p:anim calcmode="lin" valueType="num">
                                       <p:cBhvr>
-                                        <p:cTn id="13" dur="1000" fill="hold"/>
+                                        <p:cTn id="27" dur="1000" fill="hold"/>
                                         <p:tgtEl>
                                           <p:spTgt spid="31748"/>
                                         </p:tgtEl>
@@ -9822,7 +8973,7 @@
                                     </p:anim>
                                     <p:anim calcmode="lin" valueType="num">
                                       <p:cBhvr>
-                                        <p:cTn id="14" dur="1000" fill="hold"/>
+                                        <p:cTn id="28" dur="1000" fill="hold"/>
                                         <p:tgtEl>
                                           <p:spTgt spid="31748"/>
                                         </p:tgtEl>
@@ -9845,7 +8996,7 @@
                                     </p:anim>
                                     <p:animEffect transition="in" filter="fade">
                                       <p:cBhvr>
-                                        <p:cTn id="15" dur="1000"/>
+                                        <p:cTn id="29" dur="1000"/>
                                         <p:tgtEl>
                                           <p:spTgt spid="31748"/>
                                         </p:tgtEl>
@@ -9888,7 +9039,7 @@
 </p:sld>
 </file>
 
-<file path=ppt/slides/slide17.xml><?xml version="1.0" encoding="utf-8"?>
+<file path=ppt/slides/slide13.xml><?xml version="1.0" encoding="utf-8"?>
 <p:sld xmlns:a="http://schemas.openxmlformats.org/drawingml/2006/main" xmlns:r="http://schemas.openxmlformats.org/officeDocument/2006/relationships" xmlns:p="http://schemas.openxmlformats.org/presentationml/2006/main">
   <p:cSld>
     <p:spTree>
@@ -13157,8 +12308,8 @@
         </p:blipFill>
         <p:spPr>
           <a:xfrm>
-            <a:off x="1259632" y="2564904"/>
-            <a:ext cx="6480720" cy="3497724"/>
+            <a:off x="755576" y="1700808"/>
+            <a:ext cx="7414655" cy="4001780"/>
           </a:xfrm>
           <a:prstGeom prst="rect">
             <a:avLst/>
@@ -13184,7 +12335,7 @@
         <p:spPr>
           <a:xfrm>
             <a:off x="467544" y="332656"/>
-            <a:ext cx="7848872" cy="1938992"/>
+            <a:ext cx="7848872" cy="1015663"/>
           </a:xfrm>
           <a:prstGeom prst="rect">
             <a:avLst/>
@@ -13217,16 +12368,6 @@
                 <a:ea typeface="Adobe Gothic Std B" pitchFamily="34" charset="-128"/>
               </a:rPr>
               <a:t>BadWork</a:t>
-            </a:r>
-            <a:r>
-              <a:rPr lang="es-ES" sz="6000" dirty="0" smtClean="0">
-                <a:solidFill>
-                  <a:srgbClr val="C00000"/>
-                </a:solidFill>
-                <a:latin typeface="Adobe Gothic Std B" pitchFamily="34" charset="-128"/>
-                <a:ea typeface="Adobe Gothic Std B" pitchFamily="34" charset="-128"/>
-              </a:rPr>
-              <a:t> (administrador)</a:t>
             </a:r>
             <a:endParaRPr lang="es-ES" sz="6000" dirty="0">
               <a:solidFill>
